--- a/requirements/Architecture, Infrastructure.pptx
+++ b/requirements/Architecture, Infrastructure.pptx
@@ -110,6 +110,11 @@
       </a:defRPr>
     </a:lvl9pPr>
   </p:defaultTextStyle>
+  <p:extLst>
+    <p:ext uri="{EFAFB233-063F-42B5-8137-9DF3F51BA10A}">
+      <p15:sldGuideLst xmlns:p15="http://schemas.microsoft.com/office/powerpoint/2012/main"/>
+    </p:ext>
+  </p:extLst>
 </p:presentation>
 </file>
 
@@ -244,7 +249,7 @@
           <a:p>
             <a:fld id="{B45D6A67-E0D0-48EC-B53A-56F3C2075182}" type="datetimeFigureOut">
               <a:rPr lang="en-GB" smtClean="0"/>
-              <a:t>15/10/2016</a:t>
+              <a:t>16/10/2016</a:t>
             </a:fld>
             <a:endParaRPr lang="en-GB" dirty="0"/>
           </a:p>
@@ -414,7 +419,7 @@
           <a:p>
             <a:fld id="{B45D6A67-E0D0-48EC-B53A-56F3C2075182}" type="datetimeFigureOut">
               <a:rPr lang="en-GB" smtClean="0"/>
-              <a:t>15/10/2016</a:t>
+              <a:t>16/10/2016</a:t>
             </a:fld>
             <a:endParaRPr lang="en-GB" dirty="0"/>
           </a:p>
@@ -594,7 +599,7 @@
           <a:p>
             <a:fld id="{B45D6A67-E0D0-48EC-B53A-56F3C2075182}" type="datetimeFigureOut">
               <a:rPr lang="en-GB" smtClean="0"/>
-              <a:t>15/10/2016</a:t>
+              <a:t>16/10/2016</a:t>
             </a:fld>
             <a:endParaRPr lang="en-GB" dirty="0"/>
           </a:p>
@@ -764,7 +769,7 @@
           <a:p>
             <a:fld id="{B45D6A67-E0D0-48EC-B53A-56F3C2075182}" type="datetimeFigureOut">
               <a:rPr lang="en-GB" smtClean="0"/>
-              <a:t>15/10/2016</a:t>
+              <a:t>16/10/2016</a:t>
             </a:fld>
             <a:endParaRPr lang="en-GB" dirty="0"/>
           </a:p>
@@ -1010,7 +1015,7 @@
           <a:p>
             <a:fld id="{B45D6A67-E0D0-48EC-B53A-56F3C2075182}" type="datetimeFigureOut">
               <a:rPr lang="en-GB" smtClean="0"/>
-              <a:t>15/10/2016</a:t>
+              <a:t>16/10/2016</a:t>
             </a:fld>
             <a:endParaRPr lang="en-GB" dirty="0"/>
           </a:p>
@@ -1242,7 +1247,7 @@
           <a:p>
             <a:fld id="{B45D6A67-E0D0-48EC-B53A-56F3C2075182}" type="datetimeFigureOut">
               <a:rPr lang="en-GB" smtClean="0"/>
-              <a:t>15/10/2016</a:t>
+              <a:t>16/10/2016</a:t>
             </a:fld>
             <a:endParaRPr lang="en-GB" dirty="0"/>
           </a:p>
@@ -1609,7 +1614,7 @@
           <a:p>
             <a:fld id="{B45D6A67-E0D0-48EC-B53A-56F3C2075182}" type="datetimeFigureOut">
               <a:rPr lang="en-GB" smtClean="0"/>
-              <a:t>15/10/2016</a:t>
+              <a:t>16/10/2016</a:t>
             </a:fld>
             <a:endParaRPr lang="en-GB" dirty="0"/>
           </a:p>
@@ -1727,7 +1732,7 @@
           <a:p>
             <a:fld id="{B45D6A67-E0D0-48EC-B53A-56F3C2075182}" type="datetimeFigureOut">
               <a:rPr lang="en-GB" smtClean="0"/>
-              <a:t>15/10/2016</a:t>
+              <a:t>16/10/2016</a:t>
             </a:fld>
             <a:endParaRPr lang="en-GB" dirty="0"/>
           </a:p>
@@ -1822,7 +1827,7 @@
           <a:p>
             <a:fld id="{B45D6A67-E0D0-48EC-B53A-56F3C2075182}" type="datetimeFigureOut">
               <a:rPr lang="en-GB" smtClean="0"/>
-              <a:t>15/10/2016</a:t>
+              <a:t>16/10/2016</a:t>
             </a:fld>
             <a:endParaRPr lang="en-GB" dirty="0"/>
           </a:p>
@@ -2099,7 +2104,7 @@
           <a:p>
             <a:fld id="{B45D6A67-E0D0-48EC-B53A-56F3C2075182}" type="datetimeFigureOut">
               <a:rPr lang="en-GB" smtClean="0"/>
-              <a:t>15/10/2016</a:t>
+              <a:t>16/10/2016</a:t>
             </a:fld>
             <a:endParaRPr lang="en-GB" dirty="0"/>
           </a:p>
@@ -2352,7 +2357,7 @@
           <a:p>
             <a:fld id="{B45D6A67-E0D0-48EC-B53A-56F3C2075182}" type="datetimeFigureOut">
               <a:rPr lang="en-GB" smtClean="0"/>
-              <a:t>15/10/2016</a:t>
+              <a:t>16/10/2016</a:t>
             </a:fld>
             <a:endParaRPr lang="en-GB" dirty="0"/>
           </a:p>
@@ -2565,7 +2570,7 @@
           <a:p>
             <a:fld id="{B45D6A67-E0D0-48EC-B53A-56F3C2075182}" type="datetimeFigureOut">
               <a:rPr lang="en-GB" smtClean="0"/>
-              <a:t>15/10/2016</a:t>
+              <a:t>16/10/2016</a:t>
             </a:fld>
             <a:endParaRPr lang="en-GB" dirty="0"/>
           </a:p>
@@ -3076,7 +3081,7 @@
             <p:ph idx="1"/>
           </p:nvPr>
         </p:nvPicPr>
-        <p:blipFill rotWithShape="1">
+        <p:blipFill>
           <a:blip r:embed="rId2">
             <a:extLst>
               <a:ext uri="{28A0092B-C50C-407E-A947-70E740481C1C}">
@@ -3084,13 +3089,14 @@
               </a:ext>
             </a:extLst>
           </a:blip>
-          <a:srcRect t="5025"/>
-          <a:stretch/>
+          <a:stretch>
+            <a:fillRect/>
+          </a:stretch>
         </p:blipFill>
         <p:spPr>
           <a:xfrm>
-            <a:off x="2158330" y="1384183"/>
-            <a:ext cx="7875340" cy="5073833"/>
+            <a:off x="2415802" y="1384183"/>
+            <a:ext cx="7360396" cy="5073833"/>
           </a:xfrm>
         </p:spPr>
       </p:pic>
@@ -3511,7 +3517,7 @@
           </p:cNvPicPr>
           <p:nvPr/>
         </p:nvPicPr>
-        <p:blipFill rotWithShape="1">
+        <p:blipFill>
           <a:blip r:embed="rId2">
             <a:extLst>
               <a:ext uri="{28A0092B-C50C-407E-A947-70E740481C1C}">
@@ -3519,13 +3525,14 @@
               </a:ext>
             </a:extLst>
           </a:blip>
-          <a:srcRect t="5025"/>
-          <a:stretch/>
+          <a:stretch>
+            <a:fillRect/>
+          </a:stretch>
         </p:blipFill>
         <p:spPr>
           <a:xfrm>
-            <a:off x="7520660" y="0"/>
-            <a:ext cx="4634398" cy="2985796"/>
+            <a:off x="7672175" y="0"/>
+            <a:ext cx="4331368" cy="2985796"/>
           </a:xfrm>
           <a:prstGeom prst="rect">
             <a:avLst/>
@@ -3594,7 +3601,7 @@
             <p:ph idx="1"/>
           </p:nvPr>
         </p:nvPicPr>
-        <p:blipFill rotWithShape="1">
+        <p:blipFill>
           <a:blip r:embed="rId2">
             <a:extLst>
               <a:ext uri="{28A0092B-C50C-407E-A947-70E740481C1C}">
@@ -3602,13 +3609,14 @@
               </a:ext>
             </a:extLst>
           </a:blip>
-          <a:srcRect t="5070" r="1076"/>
-          <a:stretch/>
+          <a:stretch>
+            <a:fillRect/>
+          </a:stretch>
         </p:blipFill>
         <p:spPr>
           <a:xfrm>
-            <a:off x="1550787" y="1690688"/>
-            <a:ext cx="9090426" cy="5068683"/>
+            <a:off x="1746464" y="1690688"/>
+            <a:ext cx="8699072" cy="5068683"/>
           </a:xfrm>
         </p:spPr>
       </p:pic>
@@ -3693,13 +3701,13 @@
           <a:p>
             <a:r>
               <a:rPr lang="en-GB" sz="1800" dirty="0"/>
-              <a:t>The web app can interact with SIGEX system to submit the files automatically.</a:t>
+              <a:t>The API can interact with SIGEX system to submit the files automatically.</a:t>
             </a:r>
           </a:p>
           <a:p>
             <a:r>
               <a:rPr lang="en-GB" sz="1800" dirty="0"/>
-              <a:t>To check for code similarities, the app can use the MOSS software (</a:t>
+              <a:t>To check for code similarities, the API can use the MOSS software (</a:t>
             </a:r>
             <a:r>
               <a:rPr lang="en-GB" sz="1800" dirty="0">
@@ -3722,7 +3730,7 @@
           </p:cNvPicPr>
           <p:nvPr/>
         </p:nvPicPr>
-        <p:blipFill rotWithShape="1">
+        <p:blipFill>
           <a:blip r:embed="rId3">
             <a:extLst>
               <a:ext uri="{28A0092B-C50C-407E-A947-70E740481C1C}">
@@ -3730,13 +3738,14 @@
               </a:ext>
             </a:extLst>
           </a:blip>
-          <a:srcRect t="5070" r="1076"/>
-          <a:stretch/>
+          <a:stretch>
+            <a:fillRect/>
+          </a:stretch>
         </p:blipFill>
         <p:spPr>
           <a:xfrm>
-            <a:off x="6302016" y="179079"/>
-            <a:ext cx="5676554" cy="3165160"/>
+            <a:off x="6424207" y="179079"/>
+            <a:ext cx="5432171" cy="3165160"/>
           </a:xfrm>
           <a:prstGeom prst="rect">
             <a:avLst/>
